--- a/cache/ac9bb6cb-1888-43ab-81e4-a98a547918cd/saa-format-guide.pptx
+++ b/cache/ac9bb6cb-1888-43ab-81e4-a98a547918cd/saa-format-guide.pptx
@@ -312,7 +312,7 @@
             <a:pPr algn="r">
               <a:buNone/>
             </a:pPr>
-            <a:fld id="{311DFBCC-A27B-4E41-94BC-8E4FB02A2EDE}" type="slidenum">
+            <a:fld id="{DA6EEF3A-5FF4-494D-AAC0-2AAF95D4E3C0}" type="slidenum">
               <a:rPr b="0" lang="en-HK" sz="1400" spc="-1" strike="noStrike">
                 <a:latin typeface="Times New Roman"/>
               </a:rPr>
@@ -679,7 +679,7 @@
         <p:txBody>
           <a:bodyPr/>
           <a:p>
-            <a:fld id="{E4F29316-0EC5-4629-9089-F955BDADFD3D}" type="slidenum">
+            <a:fld id="{94E3C5AE-CB42-4983-990C-B24FF2E755A7}" type="slidenum">
               <a:t>&lt;#&gt;</a:t>
             </a:fld>
           </a:p>
@@ -832,7 +832,7 @@
         <p:txBody>
           <a:bodyPr/>
           <a:p>
-            <a:fld id="{12AA91A3-1815-4A20-BF34-496C2C615C67}" type="slidenum">
+            <a:fld id="{8FB043A2-0265-4107-9E10-DC574508DAEB}" type="slidenum">
               <a:t>&lt;#&gt;</a:t>
             </a:fld>
           </a:p>
@@ -1059,7 +1059,7 @@
         <p:txBody>
           <a:bodyPr/>
           <a:p>
-            <a:fld id="{6163C5CE-3EFE-418B-A8E7-DC1840327F0B}" type="slidenum">
+            <a:fld id="{1FEB8FC0-86DA-43C3-8D37-77A7364DB796}" type="slidenum">
               <a:t>&lt;#&gt;</a:t>
             </a:fld>
           </a:p>
@@ -1360,7 +1360,7 @@
         <p:txBody>
           <a:bodyPr/>
           <a:p>
-            <a:fld id="{4246264B-BDE4-40D3-81C5-C1900CA01E4D}" type="slidenum">
+            <a:fld id="{0285D9C6-6499-43D0-98B2-E1A3F2AAE8A0}" type="slidenum">
               <a:t>&lt;#&gt;</a:t>
             </a:fld>
           </a:p>
@@ -1402,7 +1402,7 @@
         <p:txBody>
           <a:bodyPr/>
           <a:p>
-            <a:fld id="{48777B4E-5C8C-4044-9829-46BA0CC88292}" type="slidenum">
+            <a:fld id="{81ECBA75-B74F-4458-96C6-D5EA2A59DBFC}" type="slidenum">
               <a:t>&lt;#&gt;</a:t>
             </a:fld>
           </a:p>
@@ -1518,7 +1518,7 @@
         <p:txBody>
           <a:bodyPr/>
           <a:p>
-            <a:fld id="{8FDD48B0-7AE5-4176-BEE6-51212FEF4029}" type="slidenum">
+            <a:fld id="{A35B0EBA-075B-4057-8296-246F6769F185}" type="slidenum">
               <a:t>&lt;#&gt;</a:t>
             </a:fld>
           </a:p>
@@ -1634,7 +1634,7 @@
         <p:txBody>
           <a:bodyPr/>
           <a:p>
-            <a:fld id="{C9528826-9533-4C7E-A23F-6B2240E1E6DD}" type="slidenum">
+            <a:fld id="{91148D7B-BD7D-4831-B6E2-6C6D38FC2DF6}" type="slidenum">
               <a:t>&lt;#&gt;</a:t>
             </a:fld>
           </a:p>
@@ -1787,7 +1787,7 @@
         <p:txBody>
           <a:bodyPr/>
           <a:p>
-            <a:fld id="{DBFA31E1-7ADC-41B9-884F-2504761FAF94}" type="slidenum">
+            <a:fld id="{894B5057-7B83-43B9-882B-D8150A4E3F90}" type="slidenum">
               <a:t>&lt;#&gt;</a:t>
             </a:fld>
           </a:p>
@@ -1866,7 +1866,7 @@
         <p:txBody>
           <a:bodyPr/>
           <a:p>
-            <a:fld id="{E9E961EB-5F58-4CD0-98AF-D4F1DA004867}" type="slidenum">
+            <a:fld id="{3F4C21C8-1963-41AC-AB0B-F1192C15195A}" type="slidenum">
               <a:t>&lt;#&gt;</a:t>
             </a:fld>
           </a:p>
@@ -1945,7 +1945,7 @@
         <p:txBody>
           <a:bodyPr/>
           <a:p>
-            <a:fld id="{D3BAE330-AB4B-4F01-9648-91FFE598BC2C}" type="slidenum">
+            <a:fld id="{DE94628F-D9A9-4B7D-9C45-F34F74BAAA46}" type="slidenum">
               <a:t>&lt;#&gt;</a:t>
             </a:fld>
           </a:p>
@@ -2135,7 +2135,7 @@
         <p:txBody>
           <a:bodyPr/>
           <a:p>
-            <a:fld id="{C5170E92-A08B-4E47-B3FB-85D695181814}" type="slidenum">
+            <a:fld id="{614AE1CC-1BEA-4A66-8519-1D3D8B3BA2DD}" type="slidenum">
               <a:t>&lt;#&gt;</a:t>
             </a:fld>
           </a:p>
@@ -2251,7 +2251,7 @@
         <p:txBody>
           <a:bodyPr/>
           <a:p>
-            <a:fld id="{F01D3A75-B37C-4F03-882F-32D6282BA2FE}" type="slidenum">
+            <a:fld id="{DA94E014-371C-46C5-A956-4E5DD76E791E}" type="slidenum">
               <a:t>&lt;#&gt;</a:t>
             </a:fld>
           </a:p>
@@ -2441,7 +2441,7 @@
         <p:txBody>
           <a:bodyPr/>
           <a:p>
-            <a:fld id="{83094459-DF38-4037-BDE5-B3D14D77022C}" type="slidenum">
+            <a:fld id="{268EF091-E313-4FEE-B61B-539EF28B8A66}" type="slidenum">
               <a:t>&lt;#&gt;</a:t>
             </a:fld>
           </a:p>
@@ -2631,7 +2631,7 @@
         <p:txBody>
           <a:bodyPr/>
           <a:p>
-            <a:fld id="{ADD729D2-1C0A-4357-8AC1-9A6A45BFD6F7}" type="slidenum">
+            <a:fld id="{B06AA851-6735-4175-90C6-BDCA17A40A7C}" type="slidenum">
               <a:t>&lt;#&gt;</a:t>
             </a:fld>
           </a:p>
@@ -2784,7 +2784,7 @@
         <p:txBody>
           <a:bodyPr/>
           <a:p>
-            <a:fld id="{1B41AAA2-2CE5-4253-BA82-3BF8BBCA7CB3}" type="slidenum">
+            <a:fld id="{F428D3C6-68DE-4125-A577-F31BD1917D23}" type="slidenum">
               <a:t>&lt;#&gt;</a:t>
             </a:fld>
           </a:p>
@@ -3011,7 +3011,7 @@
         <p:txBody>
           <a:bodyPr/>
           <a:p>
-            <a:fld id="{79C82CCB-7766-42CA-A8C4-A9C83F5F5F6A}" type="slidenum">
+            <a:fld id="{930B1678-3BF4-4D79-9B44-1450029CCC07}" type="slidenum">
               <a:t>&lt;#&gt;</a:t>
             </a:fld>
           </a:p>
@@ -3312,7 +3312,7 @@
         <p:txBody>
           <a:bodyPr/>
           <a:p>
-            <a:fld id="{ADE1B8C4-A3DE-4C29-A466-0563561FA9DF}" type="slidenum">
+            <a:fld id="{F25A165D-818D-40A9-B7E8-8E26CDC0A389}" type="slidenum">
               <a:t>&lt;#&gt;</a:t>
             </a:fld>
           </a:p>
@@ -3354,7 +3354,7 @@
         <p:txBody>
           <a:bodyPr/>
           <a:p>
-            <a:fld id="{AAD82CE0-4239-4943-A908-D24652BC9329}" type="slidenum">
+            <a:fld id="{0578AC8E-CFBB-48C1-8501-B1FE4FB25E77}" type="slidenum">
               <a:t>&lt;#&gt;</a:t>
             </a:fld>
           </a:p>
@@ -3470,7 +3470,7 @@
         <p:txBody>
           <a:bodyPr/>
           <a:p>
-            <a:fld id="{56D698FE-1BED-496F-9A06-FB8386C3E1C6}" type="slidenum">
+            <a:fld id="{06C85F85-A94D-440B-8A4E-CF17D5BBF759}" type="slidenum">
               <a:t>&lt;#&gt;</a:t>
             </a:fld>
           </a:p>
@@ -3586,7 +3586,7 @@
         <p:txBody>
           <a:bodyPr/>
           <a:p>
-            <a:fld id="{2C348A70-EDD9-4FF5-880E-1DFAFE71F3B9}" type="slidenum">
+            <a:fld id="{1FE13DB6-30EB-41B1-97F6-352049565754}" type="slidenum">
               <a:t>&lt;#&gt;</a:t>
             </a:fld>
           </a:p>
@@ -3739,7 +3739,7 @@
         <p:txBody>
           <a:bodyPr/>
           <a:p>
-            <a:fld id="{CCDF0E81-262A-4AF4-B0F6-BA79942E7276}" type="slidenum">
+            <a:fld id="{F38FA611-0FC0-4C3E-A319-A6830B9C9029}" type="slidenum">
               <a:t>&lt;#&gt;</a:t>
             </a:fld>
           </a:p>
@@ -3818,7 +3818,7 @@
         <p:txBody>
           <a:bodyPr/>
           <a:p>
-            <a:fld id="{13F11E4E-28BB-4337-95A8-A28F9C99AFC5}" type="slidenum">
+            <a:fld id="{7AE9347C-5322-40EC-B61C-AC17C9F510D1}" type="slidenum">
               <a:t>&lt;#&gt;</a:t>
             </a:fld>
           </a:p>
@@ -3934,7 +3934,7 @@
         <p:txBody>
           <a:bodyPr/>
           <a:p>
-            <a:fld id="{AAB7EEC6-A43D-47D9-8042-9747BD6DD8DC}" type="slidenum">
+            <a:fld id="{7DB14B61-F457-4322-B20E-10EC07A93790}" type="slidenum">
               <a:t>&lt;#&gt;</a:t>
             </a:fld>
           </a:p>
@@ -4013,7 +4013,7 @@
         <p:txBody>
           <a:bodyPr/>
           <a:p>
-            <a:fld id="{A7764591-F7B9-4AE7-9208-6AE598D28D34}" type="slidenum">
+            <a:fld id="{D0453DD6-67BC-45D7-845D-47C572F64B9C}" type="slidenum">
               <a:t>&lt;#&gt;</a:t>
             </a:fld>
           </a:p>
@@ -4203,7 +4203,7 @@
         <p:txBody>
           <a:bodyPr/>
           <a:p>
-            <a:fld id="{10929F57-A2A9-4784-B6C2-8947C168842A}" type="slidenum">
+            <a:fld id="{F7A9878A-5596-40E4-B260-955F3B0305B7}" type="slidenum">
               <a:t>&lt;#&gt;</a:t>
             </a:fld>
           </a:p>
@@ -4393,7 +4393,7 @@
         <p:txBody>
           <a:bodyPr/>
           <a:p>
-            <a:fld id="{DAC5F3B4-6521-4480-B640-FE292013CB89}" type="slidenum">
+            <a:fld id="{4D35CB92-1B5B-4ECF-88E8-B80B0FF3ABF4}" type="slidenum">
               <a:t>&lt;#&gt;</a:t>
             </a:fld>
           </a:p>
@@ -4583,7 +4583,7 @@
         <p:txBody>
           <a:bodyPr/>
           <a:p>
-            <a:fld id="{C1CC0E99-82B3-4901-A612-28D57F7FAAA5}" type="slidenum">
+            <a:fld id="{84BB5AED-E642-4681-A7C4-B85AFE7F52DF}" type="slidenum">
               <a:t>&lt;#&gt;</a:t>
             </a:fld>
           </a:p>
@@ -4736,7 +4736,7 @@
         <p:txBody>
           <a:bodyPr/>
           <a:p>
-            <a:fld id="{BF193B2A-BFFA-41A8-91AC-D0A3A68E4574}" type="slidenum">
+            <a:fld id="{6D33BC3B-39E6-4D70-AECC-549748BDCE4F}" type="slidenum">
               <a:t>&lt;#&gt;</a:t>
             </a:fld>
           </a:p>
@@ -4963,7 +4963,7 @@
         <p:txBody>
           <a:bodyPr/>
           <a:p>
-            <a:fld id="{E7A98BD9-73BE-46D5-A117-C80BF7405BA9}" type="slidenum">
+            <a:fld id="{0BF1C44C-C6C8-4E3F-9CF2-B072DF5D2084}" type="slidenum">
               <a:t>&lt;#&gt;</a:t>
             </a:fld>
           </a:p>
@@ -5264,7 +5264,7 @@
         <p:txBody>
           <a:bodyPr/>
           <a:p>
-            <a:fld id="{529A32B2-F94E-4950-92C0-C754AC2186B8}" type="slidenum">
+            <a:fld id="{D1B0C1A7-8062-44DE-B6B8-1320460CC6C5}" type="slidenum">
               <a:t>&lt;#&gt;</a:t>
             </a:fld>
           </a:p>
@@ -5306,7 +5306,7 @@
         <p:txBody>
           <a:bodyPr/>
           <a:p>
-            <a:fld id="{F29611A2-3790-4962-84D3-909E722D6379}" type="slidenum">
+            <a:fld id="{E782FCE0-0E4A-40E9-ABAB-C77E9297E9F7}" type="slidenum">
               <a:t>&lt;#&gt;</a:t>
             </a:fld>
           </a:p>
@@ -5422,7 +5422,7 @@
         <p:txBody>
           <a:bodyPr/>
           <a:p>
-            <a:fld id="{74D9CE56-485B-4DA8-AA87-5A9559CD42B6}" type="slidenum">
+            <a:fld id="{3A7C20B2-23BA-4A4C-8BA0-756197BD1F0A}" type="slidenum">
               <a:t>&lt;#&gt;</a:t>
             </a:fld>
           </a:p>
@@ -5538,7 +5538,7 @@
         <p:txBody>
           <a:bodyPr/>
           <a:p>
-            <a:fld id="{F68F5017-0B16-4753-88FB-6F8F5E24E3C7}" type="slidenum">
+            <a:fld id="{FE953D60-6CE8-4A8E-91F8-E480087EE154}" type="slidenum">
               <a:t>&lt;#&gt;</a:t>
             </a:fld>
           </a:p>
@@ -5691,7 +5691,7 @@
         <p:txBody>
           <a:bodyPr/>
           <a:p>
-            <a:fld id="{870F890D-2A1E-4293-950B-001992F21B91}" type="slidenum">
+            <a:fld id="{3BE6B0AF-4899-43A5-B8F9-10087AA186CC}" type="slidenum">
               <a:t>&lt;#&gt;</a:t>
             </a:fld>
           </a:p>
@@ -5844,7 +5844,7 @@
         <p:txBody>
           <a:bodyPr/>
           <a:p>
-            <a:fld id="{E8921DF1-9333-4EF1-A306-5BB80CF79D11}" type="slidenum">
+            <a:fld id="{46F74ADC-B3EE-445C-B138-A4581B40C742}" type="slidenum">
               <a:t>&lt;#&gt;</a:t>
             </a:fld>
           </a:p>
@@ -5923,7 +5923,7 @@
         <p:txBody>
           <a:bodyPr/>
           <a:p>
-            <a:fld id="{CC5A00F8-9647-4F7E-8CC2-640B39ECD168}" type="slidenum">
+            <a:fld id="{4BEBC4E1-C9DC-4ED6-9CF5-9E27B1D0E43A}" type="slidenum">
               <a:t>&lt;#&gt;</a:t>
             </a:fld>
           </a:p>
@@ -6002,7 +6002,7 @@
         <p:txBody>
           <a:bodyPr/>
           <a:p>
-            <a:fld id="{D00AC88B-88A3-41A5-BC41-F04C65B4758E}" type="slidenum">
+            <a:fld id="{E811518B-B304-48BB-977F-0E3B3AEA3128}" type="slidenum">
               <a:t>&lt;#&gt;</a:t>
             </a:fld>
           </a:p>
@@ -6192,7 +6192,7 @@
         <p:txBody>
           <a:bodyPr/>
           <a:p>
-            <a:fld id="{2A882C59-740B-4F93-9675-B172FFC4C7E5}" type="slidenum">
+            <a:fld id="{B064C428-E9C9-4D01-8056-93D0F3FEBE4F}" type="slidenum">
               <a:t>&lt;#&gt;</a:t>
             </a:fld>
           </a:p>
@@ -6382,7 +6382,7 @@
         <p:txBody>
           <a:bodyPr/>
           <a:p>
-            <a:fld id="{42AC0E9C-A71C-4D9A-86BA-54B55C8AAFB3}" type="slidenum">
+            <a:fld id="{22F31470-0160-47A4-BC37-375B54430EBF}" type="slidenum">
               <a:t>&lt;#&gt;</a:t>
             </a:fld>
           </a:p>
@@ -6572,7 +6572,7 @@
         <p:txBody>
           <a:bodyPr/>
           <a:p>
-            <a:fld id="{6DD3027C-BEFE-438B-9650-464324EB86DF}" type="slidenum">
+            <a:fld id="{95C73F4E-E087-4FF1-AEF4-A63ED54A1C58}" type="slidenum">
               <a:t>&lt;#&gt;</a:t>
             </a:fld>
           </a:p>
@@ -6725,7 +6725,7 @@
         <p:txBody>
           <a:bodyPr/>
           <a:p>
-            <a:fld id="{11D29FC2-B263-445D-8855-8BE9136A3207}" type="slidenum">
+            <a:fld id="{5FC36338-2121-48DA-BAA7-C7B25F22C46D}" type="slidenum">
               <a:t>&lt;#&gt;</a:t>
             </a:fld>
           </a:p>
@@ -6952,7 +6952,7 @@
         <p:txBody>
           <a:bodyPr/>
           <a:p>
-            <a:fld id="{C17DD4C8-AF0F-4087-A007-D3A4174AE6C1}" type="slidenum">
+            <a:fld id="{18F454EC-CF46-48A2-8E35-205FB06A962F}" type="slidenum">
               <a:t>&lt;#&gt;</a:t>
             </a:fld>
           </a:p>
@@ -7253,7 +7253,7 @@
         <p:txBody>
           <a:bodyPr/>
           <a:p>
-            <a:fld id="{30EFD7B0-09B0-4230-ADC2-74F341F1A27A}" type="slidenum">
+            <a:fld id="{C2A6B446-0180-4EB3-B09E-F5CC247E915D}" type="slidenum">
               <a:t>&lt;#&gt;</a:t>
             </a:fld>
           </a:p>
@@ -7332,7 +7332,7 @@
         <p:txBody>
           <a:bodyPr/>
           <a:p>
-            <a:fld id="{99132D01-2DAE-4D12-B3A5-AE2A9725EF26}" type="slidenum">
+            <a:fld id="{72EA43A2-6EBF-47D9-844C-9A2E514D3187}" type="slidenum">
               <a:t>&lt;#&gt;</a:t>
             </a:fld>
           </a:p>
@@ -7411,7 +7411,7 @@
         <p:txBody>
           <a:bodyPr/>
           <a:p>
-            <a:fld id="{59FB8AB7-E6A7-44A2-8936-A0DAA82FBC28}" type="slidenum">
+            <a:fld id="{D05911DB-C1D2-402D-AB9D-8738BEAD5097}" type="slidenum">
               <a:t>&lt;#&gt;</a:t>
             </a:fld>
           </a:p>
@@ -7601,7 +7601,7 @@
         <p:txBody>
           <a:bodyPr/>
           <a:p>
-            <a:fld id="{65532D39-034B-49A7-AC88-932DE523D9C2}" type="slidenum">
+            <a:fld id="{57E77E96-50EE-4179-BB78-4E8E84D3468C}" type="slidenum">
               <a:t>&lt;#&gt;</a:t>
             </a:fld>
           </a:p>
@@ -7791,7 +7791,7 @@
         <p:txBody>
           <a:bodyPr/>
           <a:p>
-            <a:fld id="{A81654B7-10AE-40EC-9406-DE4BE5C24D31}" type="slidenum">
+            <a:fld id="{03172E68-7D56-4993-924F-DEF976C7CAD0}" type="slidenum">
               <a:t>&lt;#&gt;</a:t>
             </a:fld>
           </a:p>
@@ -7981,7 +7981,7 @@
         <p:txBody>
           <a:bodyPr/>
           <a:p>
-            <a:fld id="{2CC3DB47-0842-4E20-91AD-9AD843AD1310}" type="slidenum">
+            <a:fld id="{DBE8F783-4151-4C4F-93CE-01C8F6D74D31}" type="slidenum">
               <a:t>&lt;#&gt;</a:t>
             </a:fld>
           </a:p>
@@ -8157,7 +8157,7 @@
               </a:tabLst>
               <a:defRPr b="0" lang="en" sz="1000" spc="-1" strike="noStrike">
                 <a:solidFill>
-                  <a:srgbClr val="000000"/>
+                  <a:srgbClr val="c9211e"/>
                 </a:solidFill>
                 <a:latin typeface="Lato"/>
                 <a:ea typeface="Lato"/>
@@ -8174,10 +8174,10 @@
                 <a:tab algn="l" pos="0"/>
               </a:tabLst>
             </a:pPr>
-            <a:fld id="{8636F66E-D9C0-4A1C-AEF3-78D83F80C6FD}" type="slidenum">
+            <a:fld id="{B4B6A367-D451-4757-AD6D-D9B62BBE012E}" type="slidenum">
               <a:rPr b="0" lang="en" sz="1000" spc="-1" strike="noStrike">
                 <a:solidFill>
-                  <a:srgbClr val="000000"/>
+                  <a:srgbClr val="c9211e"/>
                 </a:solidFill>
                 <a:latin typeface="Lato"/>
                 <a:ea typeface="Lato"/>
@@ -8185,6 +8185,9 @@
               <a:t>&lt;number&gt;</a:t>
             </a:fld>
             <a:endParaRPr b="0" lang="en-HK" sz="1000" spc="-1" strike="noStrike">
+              <a:solidFill>
+                <a:srgbClr val="c9211e"/>
+              </a:solidFill>
               <a:latin typeface="Times New Roman"/>
             </a:endParaRPr>
           </a:p>
@@ -8796,7 +8799,7 @@
               </a:tabLst>
               <a:defRPr b="0" lang="en" sz="1000" spc="-1" strike="noStrike">
                 <a:solidFill>
-                  <a:srgbClr val="ff4000"/>
+                  <a:srgbClr val="000000"/>
                 </a:solidFill>
                 <a:latin typeface="Lato"/>
                 <a:ea typeface="Lato"/>
@@ -8813,10 +8816,10 @@
                 <a:tab algn="l" pos="0"/>
               </a:tabLst>
             </a:pPr>
-            <a:fld id="{9C81C2FF-F105-4F95-B522-65CCF323AA39}" type="slidenum">
+            <a:fld id="{DC8126DD-D292-457F-A5A9-AC380DE12B0A}" type="slidenum">
               <a:rPr b="0" lang="en" sz="1000" spc="-1" strike="noStrike">
                 <a:solidFill>
-                  <a:srgbClr val="ff4000"/>
+                  <a:srgbClr val="000000"/>
                 </a:solidFill>
                 <a:latin typeface="Lato"/>
                 <a:ea typeface="Lato"/>
@@ -8824,9 +8827,6 @@
               <a:t>&lt;number&gt;</a:t>
             </a:fld>
             <a:endParaRPr b="0" lang="en-HK" sz="1000" spc="-1" strike="noStrike">
-              <a:solidFill>
-                <a:srgbClr val="ff4000"/>
-              </a:solidFill>
               <a:latin typeface="Times New Roman"/>
             </a:endParaRPr>
           </a:p>
@@ -8959,7 +8959,7 @@
                 <a:tab algn="l" pos="0"/>
               </a:tabLst>
             </a:pPr>
-            <a:fld id="{499830BC-8A1A-4D46-92AD-FB4F668A8942}" type="slidenum">
+            <a:fld id="{86100B67-4CCF-4BA1-9AC0-3122684FBD45}" type="slidenum">
               <a:rPr b="0" lang="en" sz="1000" spc="-1" strike="noStrike">
                 <a:solidFill>
                   <a:srgbClr val="000000"/>
@@ -9841,7 +9841,7 @@
                 <a:tab algn="l" pos="0"/>
               </a:tabLst>
             </a:pPr>
-            <a:fld id="{CB4C69A2-1640-4DFA-8031-F2C1ECEABD91}" type="slidenum">
+            <a:fld id="{C7AE153A-4E24-46CA-A6DF-A61A56966992}" type="slidenum">
               <a:rPr b="0" lang="en" sz="1000" spc="-1" strike="noStrike">
                 <a:solidFill>
                   <a:srgbClr val="000000"/>
@@ -10058,7 +10058,7 @@
                 <a:tab algn="l" pos="0"/>
               </a:tabLst>
             </a:pPr>
-            <a:fld id="{D656CE27-6D97-4862-8A63-0F51B4FF2E42}" type="slidenum">
+            <a:fld id="{6F082985-0139-4316-8F66-438DC8949201}" type="slidenum">
               <a:rPr b="0" lang="en" sz="1000" spc="-1" strike="noStrike">
                 <a:solidFill>
                   <a:srgbClr val="f3f3f3"/>
@@ -10477,7 +10477,7 @@
                 <a:tab algn="l" pos="0"/>
               </a:tabLst>
             </a:pPr>
-            <a:fld id="{1D23C3E4-B5BF-4C5D-A30A-112F01AC518D}" type="slidenum">
+            <a:fld id="{3E2CD761-BAB3-46EE-A684-BBAEA9A1EAA5}" type="slidenum">
               <a:rPr b="0" lang="en" sz="1000" spc="-1" strike="noStrike">
                 <a:solidFill>
                   <a:srgbClr val="f3f3f3"/>
@@ -11020,7 +11020,7 @@
                 <a:tab algn="l" pos="0"/>
               </a:tabLst>
             </a:pPr>
-            <a:fld id="{3B5FFC85-AE8B-43BC-9175-5BFA2C19322A}" type="slidenum">
+            <a:fld id="{4E0A8142-9A91-4158-90B9-823299EA6871}" type="slidenum">
               <a:rPr b="0" lang="en" sz="1000" spc="-1" strike="noStrike">
                 <a:solidFill>
                   <a:srgbClr val="f3f3f3"/>
@@ -11425,7 +11425,7 @@
                 <a:tab algn="l" pos="0"/>
               </a:tabLst>
             </a:pPr>
-            <a:fld id="{5916CC69-9BA1-4763-8C9D-93439CA9FAAD}" type="slidenum">
+            <a:fld id="{314E4DB6-62B7-49B3-B0C3-85F8800A5895}" type="slidenum">
               <a:rPr b="0" lang="en" sz="1000" spc="-1" strike="noStrike">
                 <a:solidFill>
                   <a:srgbClr val="f3f3f3"/>
@@ -11901,7 +11901,7 @@
                 <a:tab algn="l" pos="0"/>
               </a:tabLst>
             </a:pPr>
-            <a:fld id="{BA214353-5674-4914-ADBC-F58D90096AEC}" type="slidenum">
+            <a:fld id="{50F98CFE-5E4F-4845-84B2-69E31F9F20EF}" type="slidenum">
               <a:rPr b="0" lang="en" sz="1000" spc="-1" strike="noStrike">
                 <a:solidFill>
                   <a:srgbClr val="f3f3f3"/>
@@ -12217,7 +12217,7 @@
                 <a:tab algn="l" pos="0"/>
               </a:tabLst>
             </a:pPr>
-            <a:fld id="{2389CA13-06C6-4239-B65D-2EA935516BB5}" type="slidenum">
+            <a:fld id="{7190ECD3-3E50-4AED-8CA9-62656B2778DD}" type="slidenum">
               <a:rPr b="0" lang="en" sz="1000" spc="-1" strike="noStrike">
                 <a:solidFill>
                   <a:srgbClr val="f3f3f3"/>
@@ -12432,7 +12432,7 @@
                 <a:tab algn="l" pos="0"/>
               </a:tabLst>
             </a:pPr>
-            <a:fld id="{D57A86CE-B464-450C-A63E-C99BEC840556}" type="slidenum">
+            <a:fld id="{C1F45A73-A070-41A3-9728-7625DB7C3DBE}" type="slidenum">
               <a:rPr b="0" lang="en" sz="1000" spc="-1" strike="noStrike">
                 <a:solidFill>
                   <a:srgbClr val="f3f3f3"/>
@@ -12636,17 +12636,7 @@
                 <a:latin typeface="Lato"/>
                 <a:ea typeface="Lato"/>
               </a:rPr>
-              <a:t>The words “DO NOT CITE IN ANY CONTEXT WITHOUT PERMISSION OF THE </a:t>
-            </a:r>
-            <a:r>
-              <a:rPr b="0" lang="en" sz="1800" spc="-1" strike="noStrike">
-                <a:solidFill>
-                  <a:srgbClr val="5e696c"/>
-                </a:solidFill>
-                <a:latin typeface="Lato"/>
-                <a:ea typeface="Lato"/>
-              </a:rPr>
-              <a:t>AUTHOR(S)” in all caps, unbolded</a:t>
+              <a:t>The words “DO NOT CITE IN ANY CONTEXT WITHOUT PERMISSION OF THE AUTHOR(S)” in all caps, unbolded</a:t>
             </a:r>
             <a:endParaRPr b="0" lang="en-HK" sz="1800" spc="-1" strike="noStrike">
               <a:solidFill>
@@ -12674,17 +12664,7 @@
                 <a:latin typeface="Lato"/>
                 <a:ea typeface="Lato"/>
               </a:rPr>
-              <a:t>Authors’ affiliations, flush left, author bolded with a colon separating authors’ </a:t>
-            </a:r>
-            <a:r>
-              <a:rPr b="0" lang="en" sz="1800" spc="-1" strike="noStrike">
-                <a:solidFill>
-                  <a:srgbClr val="5e696c"/>
-                </a:solidFill>
-                <a:latin typeface="Lato"/>
-                <a:ea typeface="Lato"/>
-              </a:rPr>
-              <a:t>name and affiliation</a:t>
+              <a:t>Authors’ affiliations, flush left, author bolded with a colon separating authors’ name and affiliation</a:t>
             </a:r>
             <a:endParaRPr b="0" lang="en-HK" sz="1800" spc="-1" strike="noStrike">
               <a:solidFill>
@@ -12750,7 +12730,7 @@
                 <a:tab algn="l" pos="0"/>
               </a:tabLst>
             </a:pPr>
-            <a:fld id="{42379D07-C091-4E62-9DE7-3B4650141468}" type="slidenum">
+            <a:fld id="{9B01B3F4-B262-42E8-A95D-6C66DE7F8367}" type="slidenum">
               <a:rPr b="0" lang="en" sz="1000" spc="-1" strike="noStrike">
                 <a:solidFill>
                   <a:srgbClr val="f3f3f3"/>
@@ -13129,7 +13109,7 @@
                 <a:tab algn="l" pos="0"/>
               </a:tabLst>
             </a:pPr>
-            <a:fld id="{F7ED042D-73F5-4EF6-827F-B6748543330D}" type="slidenum">
+            <a:fld id="{9DE86441-0786-4264-BF0C-B7BCF9D4715E}" type="slidenum">
               <a:rPr b="0" lang="en" sz="1000" spc="-1" strike="noStrike">
                 <a:solidFill>
                   <a:srgbClr val="f3f3f3"/>
@@ -13493,7 +13473,7 @@
                 <a:tab algn="l" pos="0"/>
               </a:tabLst>
             </a:pPr>
-            <a:fld id="{19825D65-63FC-42DE-9714-40638AC05CFA}" type="slidenum">
+            <a:fld id="{EB9F6F34-70DA-4A72-B2AD-5C7F31A05C52}" type="slidenum">
               <a:rPr b="0" lang="en" sz="1000" spc="-1" strike="noStrike">
                 <a:solidFill>
                   <a:srgbClr val="f3f3f3"/>
@@ -13835,7 +13815,7 @@
                 <a:tab algn="l" pos="0"/>
               </a:tabLst>
             </a:pPr>
-            <a:fld id="{9CCC942A-4739-4417-B244-D2517B82E823}" type="slidenum">
+            <a:fld id="{5220C3FF-85D5-4276-8A00-6D4958BA758A}" type="slidenum">
               <a:rPr b="0" lang="en" sz="1000" spc="-1" strike="noStrike">
                 <a:solidFill>
                   <a:srgbClr val="f3f3f3"/>
@@ -14204,7 +14184,7 @@
                 <a:tab algn="l" pos="0"/>
               </a:tabLst>
             </a:pPr>
-            <a:fld id="{B9F59578-C0CF-46AB-BA0A-B8A895CA76FE}" type="slidenum">
+            <a:fld id="{ADFDD146-1C49-4523-AA88-DEF23425E1B9}" type="slidenum">
               <a:rPr b="0" lang="en" sz="1000" spc="-1" strike="noStrike">
                 <a:solidFill>
                   <a:srgbClr val="f3f3f3"/>
@@ -14609,7 +14589,7 @@
                 <a:tab algn="l" pos="0"/>
               </a:tabLst>
             </a:pPr>
-            <a:fld id="{2155EE98-7DB0-47AE-986B-B90166C1CBF3}" type="slidenum">
+            <a:fld id="{ED422BB4-C72D-447B-AEB3-07CBCB74CE4F}" type="slidenum">
               <a:rPr b="0" lang="en" sz="1000" spc="-1" strike="noStrike">
                 <a:solidFill>
                   <a:srgbClr val="f3f3f3"/>
@@ -14978,7 +14958,7 @@
                 <a:tab algn="l" pos="0"/>
               </a:tabLst>
             </a:pPr>
-            <a:fld id="{B0D67D3C-4787-4250-A46A-F73C16B08061}" type="slidenum">
+            <a:fld id="{9FDA8310-C058-4421-AF2A-8D75B09B71F2}" type="slidenum">
               <a:rPr b="0" lang="en" sz="1000" spc="-1" strike="noStrike">
                 <a:solidFill>
                   <a:srgbClr val="f3f3f3"/>
@@ -15316,7 +15296,7 @@
                 <a:tab algn="l" pos="0"/>
               </a:tabLst>
             </a:pPr>
-            <a:fld id="{F0254E31-DE43-4C63-8669-7F3BFA18440D}" type="slidenum">
+            <a:fld id="{296CEA94-035C-4126-B3CF-33EC73D0B0DE}" type="slidenum">
               <a:rPr b="0" lang="en" sz="1000" spc="-1" strike="noStrike">
                 <a:solidFill>
                   <a:srgbClr val="f3f3f3"/>
